--- a/2022年主日學結業禮頒獎.pptx
+++ b/2022年主日學結業禮頒獎.pptx
@@ -8056,7 +8056,12 @@
             <p:ph type="title"/>
           </p:nvPr>
         </p:nvSpPr>
-        <p:spPr/>
+        <p:spPr>
+          <a:xfrm>
+            <a:off x="609600" y="94779"/>
+            <a:ext cx="10972800" cy="1143000"/>
+          </a:xfrm>
+        </p:spPr>
         <p:txBody>
           <a:bodyPr/>
           <a:lstStyle/>
@@ -8094,7 +8099,7 @@
         </p:nvSpPr>
         <p:spPr>
           <a:xfrm>
-            <a:off x="2202873" y="2228725"/>
+            <a:off x="1825884" y="1694925"/>
             <a:ext cx="4211782" cy="2227493"/>
           </a:xfrm>
         </p:spPr>
@@ -8230,7 +8235,7 @@
         </p:nvSpPr>
         <p:spPr>
           <a:xfrm>
-            <a:off x="1622368" y="1417636"/>
+            <a:off x="1245379" y="883836"/>
             <a:ext cx="4211782" cy="707886"/>
           </a:xfrm>
           <a:prstGeom prst="rect">
@@ -8276,8 +8281,8 @@
         </p:nvSpPr>
         <p:spPr>
           <a:xfrm>
-            <a:off x="2202873" y="5295110"/>
-            <a:ext cx="4211782" cy="983133"/>
+            <a:off x="1825884" y="4761310"/>
+            <a:ext cx="4211782" cy="1971964"/>
           </a:xfrm>
           <a:prstGeom prst="rect">
             <a:avLst/>
@@ -8285,7 +8290,7 @@
         </p:spPr>
         <p:txBody>
           <a:bodyPr vert="horz" lIns="91440" tIns="45720" rIns="91440" bIns="45720" rtlCol="0" anchor="ctr">
-            <a:normAutofit/>
+            <a:normAutofit fontScale="92500" lnSpcReduction="10000"/>
           </a:bodyPr>
           <a:lstStyle>
             <a:lvl1pPr marL="457189" indent="-457189" algn="l" defTabSz="1219170" rtl="0" eaLnBrk="1" latinLnBrk="0" hangingPunct="1">
@@ -8463,7 +8468,102 @@
                 <a:ea typeface="Microsoft JhengHei" panose="020B0604030504040204" pitchFamily="34" charset="-120"/>
                 <a:cs typeface="Microsoft Himalaya" panose="01010100010101010101" pitchFamily="2" charset="0"/>
               </a:rPr>
-              <a:t>永樂</a:t>
+              <a:t>永</a:t>
+            </a:r>
+            <a:r>
+              <a:rPr lang="zh-CN" altLang="en-US" sz="4000" b="1" dirty="0" smtClean="0">
+                <a:solidFill>
+                  <a:schemeClr val="accent3">
+                    <a:lumMod val="50000"/>
+                  </a:schemeClr>
+                </a:solidFill>
+                <a:effectLst>
+                  <a:outerShdw blurRad="38100" dist="38100" dir="2700000" algn="tl">
+                    <a:srgbClr val="000000">
+                      <a:alpha val="43137"/>
+                    </a:srgbClr>
+                  </a:outerShdw>
+                </a:effectLst>
+                <a:latin typeface="Microsoft JhengHei" panose="020B0604030504040204" pitchFamily="34" charset="-120"/>
+                <a:ea typeface="Microsoft JhengHei" panose="020B0604030504040204" pitchFamily="34" charset="-120"/>
+                <a:cs typeface="Microsoft Himalaya" panose="01010100010101010101" pitchFamily="2" charset="0"/>
+              </a:rPr>
+              <a:t>樂</a:t>
+            </a:r>
+            <a:endParaRPr lang="en-US" altLang="zh-CN" sz="4000" b="1" dirty="0" smtClean="0">
+              <a:solidFill>
+                <a:schemeClr val="accent3">
+                  <a:lumMod val="50000"/>
+                </a:schemeClr>
+              </a:solidFill>
+              <a:effectLst>
+                <a:outerShdw blurRad="38100" dist="38100" dir="2700000" algn="tl">
+                  <a:srgbClr val="000000">
+                    <a:alpha val="43137"/>
+                  </a:srgbClr>
+                </a:outerShdw>
+              </a:effectLst>
+              <a:latin typeface="Microsoft JhengHei" panose="020B0604030504040204" pitchFamily="34" charset="-120"/>
+              <a:ea typeface="Microsoft JhengHei" panose="020B0604030504040204" pitchFamily="34" charset="-120"/>
+              <a:cs typeface="Microsoft Himalaya" panose="01010100010101010101" pitchFamily="2" charset="0"/>
+            </a:endParaRPr>
+          </a:p>
+          <a:p>
+            <a:r>
+              <a:rPr lang="zh-CN" altLang="en-US" sz="4000" b="1" dirty="0" smtClean="0">
+                <a:solidFill>
+                  <a:schemeClr val="accent3">
+                    <a:lumMod val="50000"/>
+                  </a:schemeClr>
+                </a:solidFill>
+                <a:effectLst>
+                  <a:outerShdw blurRad="38100" dist="38100" dir="2700000" algn="tl">
+                    <a:srgbClr val="000000">
+                      <a:alpha val="43137"/>
+                    </a:srgbClr>
+                  </a:outerShdw>
+                </a:effectLst>
+                <a:ea typeface="Microsoft JhengHei" panose="020B0604030504040204" pitchFamily="34" charset="-120"/>
+                <a:cs typeface="Microsoft Himalaya" panose="01010100010101010101" pitchFamily="2" charset="0"/>
+              </a:rPr>
+              <a:t>阮明隆</a:t>
+            </a:r>
+            <a:endParaRPr lang="en-US" altLang="zh-CN" sz="4000" b="1" dirty="0" smtClean="0">
+              <a:solidFill>
+                <a:schemeClr val="accent3">
+                  <a:lumMod val="50000"/>
+                </a:schemeClr>
+              </a:solidFill>
+              <a:effectLst>
+                <a:outerShdw blurRad="38100" dist="38100" dir="2700000" algn="tl">
+                  <a:srgbClr val="000000">
+                    <a:alpha val="43137"/>
+                  </a:srgbClr>
+                </a:outerShdw>
+              </a:effectLst>
+              <a:ea typeface="Microsoft JhengHei" panose="020B0604030504040204" pitchFamily="34" charset="-120"/>
+              <a:cs typeface="Microsoft Himalaya" panose="01010100010101010101" pitchFamily="2" charset="0"/>
+            </a:endParaRPr>
+          </a:p>
+          <a:p>
+            <a:r>
+              <a:rPr lang="zh-CN" altLang="en-US" sz="4000" b="1" dirty="0" smtClean="0">
+                <a:solidFill>
+                  <a:schemeClr val="accent3">
+                    <a:lumMod val="50000"/>
+                  </a:schemeClr>
+                </a:solidFill>
+                <a:effectLst>
+                  <a:outerShdw blurRad="38100" dist="38100" dir="2700000" algn="tl">
+                    <a:srgbClr val="000000">
+                      <a:alpha val="43137"/>
+                    </a:srgbClr>
+                  </a:outerShdw>
+                </a:effectLst>
+                <a:ea typeface="Microsoft JhengHei" panose="020B0604030504040204" pitchFamily="34" charset="-120"/>
+                <a:cs typeface="Microsoft Himalaya" panose="01010100010101010101" pitchFamily="2" charset="0"/>
+              </a:rPr>
+              <a:t>李依娜</a:t>
             </a:r>
             <a:endParaRPr lang="vi-VN" sz="4000" b="1" dirty="0">
               <a:solidFill>
@@ -8492,7 +8592,7 @@
         </p:nvSpPr>
         <p:spPr>
           <a:xfrm>
-            <a:off x="1622368" y="4521721"/>
+            <a:off x="1245379" y="3987921"/>
             <a:ext cx="4211782" cy="707886"/>
           </a:xfrm>
           <a:prstGeom prst="rect">
@@ -8556,7 +8656,7 @@
         </p:nvSpPr>
         <p:spPr>
           <a:xfrm>
-            <a:off x="5834150" y="2184340"/>
+            <a:off x="6254562" y="1646069"/>
             <a:ext cx="4211782" cy="4396602"/>
           </a:xfrm>
           <a:prstGeom prst="rect">
@@ -9233,7 +9333,7 @@
         </p:nvSpPr>
         <p:spPr>
           <a:xfrm>
-            <a:off x="6152805" y="1422107"/>
+            <a:off x="6573217" y="883836"/>
             <a:ext cx="4211782" cy="707886"/>
           </a:xfrm>
           <a:prstGeom prst="rect">
